--- a/CICD 표준화작업 - DDP.pptx
+++ b/CICD 표준화작업 - DDP.pptx
@@ -4169,6 +4169,12 @@
           <a:lstStyle/>
           <a:p>
             <a:r>
+              <a:rPr lang="en-US" altLang="ko-KR" dirty="0">
+                <a:latin typeface="+mn-lt"/>
+              </a:rPr>
+              <a:t>4. </a:t>
+            </a:r>
+            <a:r>
               <a:rPr lang="en-US" altLang="ko-KR" dirty="0" err="1">
                 <a:latin typeface="+mn-lt"/>
               </a:rPr>
@@ -4181,8 +4187,14 @@
               <a:t> CD </a:t>
             </a:r>
             <a:r>
+              <a:rPr lang="ko-KR" altLang="en-US" dirty="0">
+                <a:latin typeface="+mn-lt"/>
+              </a:rPr>
+              <a:t>표준 </a:t>
+            </a:r>
+            <a:r>
               <a:rPr lang="ko-KR" altLang="en-US" dirty="0"/>
-              <a:t>파이프라인</a:t>
+              <a:t>파이프라인 전체구성</a:t>
             </a:r>
           </a:p>
         </p:txBody>
@@ -7585,6 +7597,10 @@
           <a:lstStyle/>
           <a:p>
             <a:r>
+              <a:rPr lang="en-US" altLang="ko-KR" dirty="0"/>
+              <a:t>1. </a:t>
+            </a:r>
+            <a:r>
               <a:rPr lang="en-US" altLang="ko-KR" dirty="0" err="1"/>
               <a:t>Openshift</a:t>
             </a:r>
@@ -7685,7 +7701,7 @@
           <a:p>
             <a:r>
               <a:rPr lang="en-US" altLang="ko-KR" dirty="0"/>
-              <a:t>Build -&gt; </a:t>
+              <a:t>2. Build -&gt; </a:t>
             </a:r>
             <a:r>
               <a:rPr lang="en-US" altLang="ko-KR" dirty="0" err="1"/>
@@ -8466,8 +8482,8 @@
         </p:nvSpPr>
         <p:spPr>
           <a:xfrm>
-            <a:off x="1944061" y="2409123"/>
-            <a:ext cx="6058060" cy="2702555"/>
+            <a:off x="1944061" y="2262977"/>
+            <a:ext cx="6058060" cy="2848702"/>
           </a:xfrm>
           <a:prstGeom prst="rect">
             <a:avLst/>
@@ -8611,7 +8627,7 @@
         </p:nvSpPr>
         <p:spPr>
           <a:xfrm>
-            <a:off x="783193" y="1806291"/>
+            <a:off x="783193" y="1737469"/>
             <a:ext cx="6907459" cy="276999"/>
           </a:xfrm>
           <a:prstGeom prst="rect">
@@ -8815,7 +8831,7 @@
           <a:prstGeom prst="bentConnector4">
             <a:avLst>
               <a:gd name="adj1" fmla="val -16080"/>
-              <a:gd name="adj2" fmla="val 55649"/>
+              <a:gd name="adj2" fmla="val 48041"/>
             </a:avLst>
           </a:prstGeom>
           <a:ln w="12700">
@@ -9177,6 +9193,50 @@
           </a:fontRef>
         </p:style>
       </p:cxnSp>
+      <p:sp>
+        <p:nvSpPr>
+          <p:cNvPr id="37" name="TextBox 36">
+            <a:extLst>
+              <a:ext uri="{FF2B5EF4-FFF2-40B4-BE49-F238E27FC236}">
+                <a16:creationId xmlns:a16="http://schemas.microsoft.com/office/drawing/2014/main" id="{D22AD011-E056-4DAC-81D0-48F20F41745B}"/>
+              </a:ext>
+            </a:extLst>
+          </p:cNvPr>
+          <p:cNvSpPr txBox="1"/>
+          <p:nvPr/>
+        </p:nvSpPr>
+        <p:spPr>
+          <a:xfrm>
+            <a:off x="3882840" y="2353408"/>
+            <a:ext cx="1421651" cy="276999"/>
+          </a:xfrm>
+          <a:prstGeom prst="rect">
+            <a:avLst/>
+          </a:prstGeom>
+          <a:noFill/>
+        </p:spPr>
+        <p:txBody>
+          <a:bodyPr wrap="square">
+            <a:spAutoFit/>
+          </a:bodyPr>
+          <a:lstStyle/>
+          <a:p>
+            <a:r>
+              <a:rPr lang="en-US" altLang="ko-KR" sz="1200" b="1" dirty="0"/>
+              <a:t>S2I</a:t>
+            </a:r>
+            <a:r>
+              <a:rPr lang="ko-KR" altLang="en-US" sz="1200" b="1" dirty="0"/>
+              <a:t> </a:t>
+            </a:r>
+            <a:r>
+              <a:rPr lang="en-US" altLang="ko-KR" sz="1200" b="1" dirty="0"/>
+              <a:t> Assemble</a:t>
+            </a:r>
+            <a:endParaRPr lang="ko-KR" altLang="en-US" sz="1200" b="1" dirty="0"/>
+          </a:p>
+        </p:txBody>
+      </p:sp>
     </p:spTree>
     <p:extLst>
       <p:ext uri="{BB962C8B-B14F-4D97-AF65-F5344CB8AC3E}">
@@ -9230,7 +9290,7 @@
           <a:p>
             <a:r>
               <a:rPr lang="en-US" altLang="ko-KR" dirty="0"/>
-              <a:t>Build -&gt; </a:t>
+              <a:t>2. Build -&gt; </a:t>
             </a:r>
             <a:r>
               <a:rPr lang="en-US" altLang="ko-KR" dirty="0" err="1"/>
@@ -11893,7 +11953,7 @@
           <a:prstGeom prst="bentConnector4">
             <a:avLst>
               <a:gd name="adj1" fmla="val 3784"/>
-              <a:gd name="adj2" fmla="val 172261"/>
+              <a:gd name="adj2" fmla="val 154667"/>
             </a:avLst>
           </a:prstGeom>
           <a:ln w="12700">
@@ -11918,6 +11978,50 @@
           </a:fontRef>
         </p:style>
       </p:cxnSp>
+      <p:sp>
+        <p:nvSpPr>
+          <p:cNvPr id="5" name="TextBox 4">
+            <a:extLst>
+              <a:ext uri="{FF2B5EF4-FFF2-40B4-BE49-F238E27FC236}">
+                <a16:creationId xmlns:a16="http://schemas.microsoft.com/office/drawing/2014/main" id="{0A351CC8-22D0-4E19-817D-93B458383871}"/>
+              </a:ext>
+            </a:extLst>
+          </p:cNvPr>
+          <p:cNvSpPr txBox="1"/>
+          <p:nvPr/>
+        </p:nvSpPr>
+        <p:spPr>
+          <a:xfrm>
+            <a:off x="5098690" y="2624713"/>
+            <a:ext cx="1421651" cy="276999"/>
+          </a:xfrm>
+          <a:prstGeom prst="rect">
+            <a:avLst/>
+          </a:prstGeom>
+          <a:noFill/>
+        </p:spPr>
+        <p:txBody>
+          <a:bodyPr wrap="square">
+            <a:spAutoFit/>
+          </a:bodyPr>
+          <a:lstStyle/>
+          <a:p>
+            <a:r>
+              <a:rPr lang="en-US" altLang="ko-KR" sz="1200" b="1" dirty="0"/>
+              <a:t>S2I</a:t>
+            </a:r>
+            <a:r>
+              <a:rPr lang="ko-KR" altLang="en-US" sz="1200" b="1" dirty="0"/>
+              <a:t> </a:t>
+            </a:r>
+            <a:r>
+              <a:rPr lang="en-US" altLang="ko-KR" sz="1200" b="1" dirty="0"/>
+              <a:t> Assemble</a:t>
+            </a:r>
+            <a:endParaRPr lang="ko-KR" altLang="en-US" sz="1200" b="1" dirty="0"/>
+          </a:p>
+        </p:txBody>
+      </p:sp>
     </p:spTree>
     <p:extLst>
       <p:ext uri="{BB962C8B-B14F-4D97-AF65-F5344CB8AC3E}">
@@ -11971,7 +12075,7 @@
           <a:p>
             <a:r>
               <a:rPr lang="en-US" altLang="ko-KR" dirty="0"/>
-              <a:t>Deploy -&gt; </a:t>
+              <a:t>3. Deploy -&gt; </a:t>
             </a:r>
             <a:r>
               <a:rPr lang="en-US" altLang="ko-KR" dirty="0" err="1"/>
@@ -12850,7 +12954,7 @@
           <a:p>
             <a:r>
               <a:rPr lang="en-US" altLang="ko-KR" dirty="0"/>
-              <a:t>Deploy -&gt; </a:t>
+              <a:t>3. Deploy -&gt; </a:t>
             </a:r>
             <a:r>
               <a:rPr lang="en-US" altLang="ko-KR" dirty="0" err="1"/>
@@ -13754,6 +13858,13 @@
           <a:lstStyle/>
           <a:p>
             <a:r>
+              <a:rPr lang="en-US" altLang="ko-KR" dirty="0">
+                <a:latin typeface="+mn-lt"/>
+                <a:ea typeface="+mn-ea"/>
+              </a:rPr>
+              <a:t>* </a:t>
+            </a:r>
+            <a:r>
               <a:rPr lang="en-US" altLang="ko-KR" dirty="0" err="1">
                 <a:latin typeface="+mn-lt"/>
                 <a:ea typeface="+mn-ea"/>
@@ -13772,7 +13883,7 @@
                 <a:latin typeface="+mn-lt"/>
                 <a:ea typeface="+mn-ea"/>
               </a:rPr>
-              <a:t>생성</a:t>
+              <a:t>생성 방법</a:t>
             </a:r>
           </a:p>
         </p:txBody>
@@ -14295,7 +14406,7 @@
                 <a:latin typeface="+mn-lt"/>
                 <a:ea typeface="+mn-ea"/>
               </a:rPr>
-              <a:t>Microservice </a:t>
+              <a:t>* Microservice </a:t>
             </a:r>
             <a:r>
               <a:rPr lang="ko-KR" altLang="en-US" dirty="0">
@@ -14311,10 +14422,13 @@
               </a:rPr>
               <a:t> </a:t>
             </a:r>
-            <a:endParaRPr lang="ko-KR" altLang="en-US" dirty="0">
-              <a:latin typeface="+mn-lt"/>
-              <a:ea typeface="+mn-ea"/>
-            </a:endParaRPr>
+            <a:r>
+              <a:rPr lang="ko-KR" altLang="en-US" dirty="0">
+                <a:latin typeface="+mn-lt"/>
+                <a:ea typeface="+mn-ea"/>
+              </a:rPr>
+              <a:t>방법</a:t>
+            </a:r>
           </a:p>
         </p:txBody>
       </p:sp>
@@ -16384,6 +16498,11 @@
 <file path=ppt/slides/slide9.xml><?xml version="1.0" encoding="utf-8"?>
 <p:sld xmlns:a="http://schemas.openxmlformats.org/drawingml/2006/main" xmlns:r="http://schemas.openxmlformats.org/officeDocument/2006/relationships" xmlns:p="http://schemas.openxmlformats.org/presentationml/2006/main">
   <p:cSld>
+    <p:bg>
+      <p:bgRef idx="1001">
+        <a:schemeClr val="bg1"/>
+      </p:bgRef>
+    </p:bg>
     <p:spTree>
       <p:nvGrpSpPr>
         <p:cNvPr id="1" name=""/>
@@ -16421,9 +16540,12 @@
           <a:p>
             <a:r>
               <a:rPr lang="en-US" altLang="ko-KR" dirty="0"/>
-              <a:t>Deployer</a:t>
-            </a:r>
-            <a:endParaRPr lang="ko-KR" altLang="en-US" dirty="0"/>
+              <a:t>* Deployer </a:t>
+            </a:r>
+            <a:r>
+              <a:rPr lang="ko-KR" altLang="en-US" dirty="0"/>
+              <a:t>설정방법</a:t>
+            </a:r>
           </a:p>
         </p:txBody>
       </p:sp>
@@ -17799,7 +17921,7 @@
     </p:extLst>
   </p:cSld>
   <p:clrMapOvr>
-    <a:masterClrMapping/>
+    <a:overrideClrMapping bg1="lt1" tx1="dk1" bg2="lt2" tx2="dk2" accent1="accent1" accent2="accent2" accent3="accent3" accent4="accent4" accent5="accent5" accent6="accent6" hlink="hlink" folHlink="folHlink"/>
   </p:clrMapOvr>
 </p:sld>
 </file>
@@ -18568,4 +18690,47 @@
     </a:folHlink>
   </a:clrScheme>
 </a:themeOverride>
+</file>
+
+<file path=ppt/theme/themeOverride2.xml><?xml version="1.0" encoding="utf-8"?>
+<a:themeOverride xmlns:a="http://schemas.openxmlformats.org/drawingml/2006/main">
+  <a:clrScheme name="Office">
+    <a:dk1>
+      <a:sysClr val="windowText" lastClr="000000"/>
+    </a:dk1>
+    <a:lt1>
+      <a:sysClr val="window" lastClr="FFFFFF"/>
+    </a:lt1>
+    <a:dk2>
+      <a:srgbClr val="44546A"/>
+    </a:dk2>
+    <a:lt2>
+      <a:srgbClr val="E7E6E6"/>
+    </a:lt2>
+    <a:accent1>
+      <a:srgbClr val="5B9BD5"/>
+    </a:accent1>
+    <a:accent2>
+      <a:srgbClr val="ED7D31"/>
+    </a:accent2>
+    <a:accent3>
+      <a:srgbClr val="A5A5A5"/>
+    </a:accent3>
+    <a:accent4>
+      <a:srgbClr val="FFC000"/>
+    </a:accent4>
+    <a:accent5>
+      <a:srgbClr val="4472C4"/>
+    </a:accent5>
+    <a:accent6>
+      <a:srgbClr val="70AD47"/>
+    </a:accent6>
+    <a:hlink>
+      <a:srgbClr val="0563C1"/>
+    </a:hlink>
+    <a:folHlink>
+      <a:srgbClr val="954F72"/>
+    </a:folHlink>
+  </a:clrScheme>
+</a:themeOverride>
 </file>